--- a/posts.assets/2021-10-08-introduction-to-MobileNetV2.assets/depthwise_separable_convolution_with_linear_bottleneck.pptx
+++ b/posts.assets/2021-10-08-introduction-to-MobileNetV2.assets/depthwise_separable_convolution_with_linear_bottleneck.pptx
@@ -104,6 +104,11 @@
       </a:defRPr>
     </a:lvl9pPr>
   </p:defaultTextStyle>
+  <p:extLst>
+    <p:ext uri="{EFAFB233-063F-42B5-8137-9DF3F51BA10A}">
+      <p15:sldGuideLst xmlns:p15="http://schemas.microsoft.com/office/powerpoint/2012/main"/>
+    </p:ext>
+  </p:extLst>
 </p:presentation>
 </file>
 
@@ -3501,7 +3506,7 @@
         </p:nvSpPr>
         <p:spPr>
           <a:xfrm>
-            <a:off x="6204613" y="4160865"/>
+            <a:off x="6199918" y="2164907"/>
             <a:ext cx="198000" cy="220200"/>
           </a:xfrm>
           <a:prstGeom prst="cube">
@@ -3563,7 +3568,7 @@
         </p:nvSpPr>
         <p:spPr>
           <a:xfrm>
-            <a:off x="6346746" y="4160865"/>
+            <a:off x="6342051" y="2164907"/>
             <a:ext cx="198000" cy="220200"/>
           </a:xfrm>
           <a:prstGeom prst="cube">
@@ -3625,7 +3630,7 @@
         </p:nvSpPr>
         <p:spPr>
           <a:xfrm>
-            <a:off x="6488879" y="4160865"/>
+            <a:off x="6484184" y="2164907"/>
             <a:ext cx="198000" cy="220200"/>
           </a:xfrm>
           <a:prstGeom prst="cube">
@@ -3687,7 +3692,7 @@
         </p:nvSpPr>
         <p:spPr>
           <a:xfrm>
-            <a:off x="6628485" y="4160865"/>
+            <a:off x="6623790" y="2164907"/>
             <a:ext cx="198000" cy="220200"/>
           </a:xfrm>
           <a:prstGeom prst="cube">
@@ -3749,7 +3754,7 @@
         </p:nvSpPr>
         <p:spPr>
           <a:xfrm>
-            <a:off x="6770618" y="4160865"/>
+            <a:off x="6765923" y="2164907"/>
             <a:ext cx="198000" cy="220200"/>
           </a:xfrm>
           <a:prstGeom prst="cube">
@@ -3764,68 +3769,6 @@
               </a:gs>
               <a:gs pos="100000">
                 <a:srgbClr val="FEA4D7"/>
-              </a:gs>
-            </a:gsLst>
-            <a:lin ang="0" scaled="0"/>
-          </a:gradFill>
-          <a:ln w="9525" cap="flat" cmpd="sng">
-            <a:solidFill>
-              <a:schemeClr val="dk2"/>
-            </a:solidFill>
-            <a:prstDash val="solid"/>
-            <a:round/>
-            <a:headEnd type="none" w="sm" len="sm"/>
-            <a:tailEnd type="none" w="sm" len="sm"/>
-          </a:ln>
-        </p:spPr>
-        <p:txBody>
-          <a:bodyPr spcFirstLastPara="1" wrap="square" lIns="91425" tIns="91425" rIns="91425" bIns="91425" anchor="ctr" anchorCtr="0">
-            <a:noAutofit/>
-          </a:bodyPr>
-          <a:lstStyle/>
-          <a:p>
-            <a:pPr marL="0" lvl="0" indent="0" algn="l" rtl="0">
-              <a:spcBef>
-                <a:spcPts val="0"/>
-              </a:spcBef>
-              <a:spcAft>
-                <a:spcPts val="0"/>
-              </a:spcAft>
-              <a:buNone/>
-            </a:pPr>
-            <a:endParaRPr/>
-          </a:p>
-        </p:txBody>
-      </p:sp>
-      <p:sp>
-        <p:nvSpPr>
-          <p:cNvPr id="334" name="Google Shape;13176;p201">
-            <a:extLst>
-              <a:ext uri="{FF2B5EF4-FFF2-40B4-BE49-F238E27FC236}">
-                <a16:creationId xmlns:a16="http://schemas.microsoft.com/office/drawing/2014/main" id="{353D776E-A58B-4A0C-9E46-837957CD5178}"/>
-              </a:ext>
-            </a:extLst>
-          </p:cNvPr>
-          <p:cNvSpPr/>
-          <p:nvPr/>
-        </p:nvSpPr>
-        <p:spPr>
-          <a:xfrm>
-            <a:off x="5296335" y="2368053"/>
-            <a:ext cx="198000" cy="220200"/>
-          </a:xfrm>
-          <a:prstGeom prst="cube">
-            <a:avLst>
-              <a:gd name="adj" fmla="val 28246"/>
-            </a:avLst>
-          </a:prstGeom>
-          <a:gradFill>
-            <a:gsLst>
-              <a:gs pos="0">
-                <a:srgbClr val="00CCFF"/>
-              </a:gs>
-              <a:gs pos="100000">
-                <a:srgbClr val="00FFFF"/>
               </a:gs>
             </a:gsLst>
             <a:lin ang="0" scaled="0"/>
@@ -9325,10 +9268,10 @@
       </p:sp>
       <p:sp>
         <p:nvSpPr>
-          <p:cNvPr id="736" name="Google Shape;13176;p201">
+          <p:cNvPr id="743" name="Google Shape;13176;p201">
             <a:extLst>
               <a:ext uri="{FF2B5EF4-FFF2-40B4-BE49-F238E27FC236}">
-                <a16:creationId xmlns:a16="http://schemas.microsoft.com/office/drawing/2014/main" id="{8A5B4A71-D870-4382-9230-A27866CD3BDD}"/>
+                <a16:creationId xmlns:a16="http://schemas.microsoft.com/office/drawing/2014/main" id="{2BF19266-06BC-4B71-8AE2-392F382B3EF9}"/>
               </a:ext>
             </a:extLst>
           </p:cNvPr>
@@ -9337,7 +9280,7 @@
         </p:nvSpPr>
         <p:spPr>
           <a:xfrm>
-            <a:off x="5239205" y="2425742"/>
+            <a:off x="5176097" y="2166420"/>
             <a:ext cx="198000" cy="220200"/>
           </a:xfrm>
           <a:prstGeom prst="cube">
@@ -9387,440 +9330,6 @@
       </p:sp>
       <p:sp>
         <p:nvSpPr>
-          <p:cNvPr id="737" name="Google Shape;13176;p201">
-            <a:extLst>
-              <a:ext uri="{FF2B5EF4-FFF2-40B4-BE49-F238E27FC236}">
-                <a16:creationId xmlns:a16="http://schemas.microsoft.com/office/drawing/2014/main" id="{E58254B5-47D1-4D5D-BA2A-1AD9EA2A8159}"/>
-              </a:ext>
-            </a:extLst>
-          </p:cNvPr>
-          <p:cNvSpPr/>
-          <p:nvPr/>
-        </p:nvSpPr>
-        <p:spPr>
-          <a:xfrm>
-            <a:off x="5182075" y="2483253"/>
-            <a:ext cx="198000" cy="220200"/>
-          </a:xfrm>
-          <a:prstGeom prst="cube">
-            <a:avLst>
-              <a:gd name="adj" fmla="val 28246"/>
-            </a:avLst>
-          </a:prstGeom>
-          <a:gradFill>
-            <a:gsLst>
-              <a:gs pos="0">
-                <a:srgbClr val="00CCFF"/>
-              </a:gs>
-              <a:gs pos="100000">
-                <a:srgbClr val="00FFFF"/>
-              </a:gs>
-            </a:gsLst>
-            <a:lin ang="0" scaled="0"/>
-          </a:gradFill>
-          <a:ln w="9525" cap="flat" cmpd="sng">
-            <a:solidFill>
-              <a:schemeClr val="dk2"/>
-            </a:solidFill>
-            <a:prstDash val="solid"/>
-            <a:round/>
-            <a:headEnd type="none" w="sm" len="sm"/>
-            <a:tailEnd type="none" w="sm" len="sm"/>
-          </a:ln>
-        </p:spPr>
-        <p:txBody>
-          <a:bodyPr spcFirstLastPara="1" wrap="square" lIns="91425" tIns="91425" rIns="91425" bIns="91425" anchor="ctr" anchorCtr="0">
-            <a:noAutofit/>
-          </a:bodyPr>
-          <a:lstStyle/>
-          <a:p>
-            <a:pPr marL="0" lvl="0" indent="0" algn="l" rtl="0">
-              <a:spcBef>
-                <a:spcPts val="0"/>
-              </a:spcBef>
-              <a:spcAft>
-                <a:spcPts val="0"/>
-              </a:spcAft>
-              <a:buNone/>
-            </a:pPr>
-            <a:endParaRPr/>
-          </a:p>
-        </p:txBody>
-      </p:sp>
-      <p:sp>
-        <p:nvSpPr>
-          <p:cNvPr id="738" name="Google Shape;13176;p201">
-            <a:extLst>
-              <a:ext uri="{FF2B5EF4-FFF2-40B4-BE49-F238E27FC236}">
-                <a16:creationId xmlns:a16="http://schemas.microsoft.com/office/drawing/2014/main" id="{C21C76B5-D563-401A-969D-9BE4A525BCCF}"/>
-              </a:ext>
-            </a:extLst>
-          </p:cNvPr>
-          <p:cNvSpPr/>
-          <p:nvPr/>
-        </p:nvSpPr>
-        <p:spPr>
-          <a:xfrm>
-            <a:off x="5296335" y="2205035"/>
-            <a:ext cx="198000" cy="220200"/>
-          </a:xfrm>
-          <a:prstGeom prst="cube">
-            <a:avLst>
-              <a:gd name="adj" fmla="val 28246"/>
-            </a:avLst>
-          </a:prstGeom>
-          <a:gradFill>
-            <a:gsLst>
-              <a:gs pos="0">
-                <a:srgbClr val="00CCFF"/>
-              </a:gs>
-              <a:gs pos="100000">
-                <a:srgbClr val="00FFFF"/>
-              </a:gs>
-            </a:gsLst>
-            <a:lin ang="0" scaled="0"/>
-          </a:gradFill>
-          <a:ln w="9525" cap="flat" cmpd="sng">
-            <a:solidFill>
-              <a:schemeClr val="dk2"/>
-            </a:solidFill>
-            <a:prstDash val="solid"/>
-            <a:round/>
-            <a:headEnd type="none" w="sm" len="sm"/>
-            <a:tailEnd type="none" w="sm" len="sm"/>
-          </a:ln>
-        </p:spPr>
-        <p:txBody>
-          <a:bodyPr spcFirstLastPara="1" wrap="square" lIns="91425" tIns="91425" rIns="91425" bIns="91425" anchor="ctr" anchorCtr="0">
-            <a:noAutofit/>
-          </a:bodyPr>
-          <a:lstStyle/>
-          <a:p>
-            <a:pPr marL="0" lvl="0" indent="0" algn="l" rtl="0">
-              <a:spcBef>
-                <a:spcPts val="0"/>
-              </a:spcBef>
-              <a:spcAft>
-                <a:spcPts val="0"/>
-              </a:spcAft>
-              <a:buNone/>
-            </a:pPr>
-            <a:endParaRPr/>
-          </a:p>
-        </p:txBody>
-      </p:sp>
-      <p:sp>
-        <p:nvSpPr>
-          <p:cNvPr id="739" name="Google Shape;13176;p201">
-            <a:extLst>
-              <a:ext uri="{FF2B5EF4-FFF2-40B4-BE49-F238E27FC236}">
-                <a16:creationId xmlns:a16="http://schemas.microsoft.com/office/drawing/2014/main" id="{0B68924B-2A13-42E9-8F9B-B5EC0A4276DD}"/>
-              </a:ext>
-            </a:extLst>
-          </p:cNvPr>
-          <p:cNvSpPr/>
-          <p:nvPr/>
-        </p:nvSpPr>
-        <p:spPr>
-          <a:xfrm>
-            <a:off x="5239205" y="2262724"/>
-            <a:ext cx="198000" cy="220200"/>
-          </a:xfrm>
-          <a:prstGeom prst="cube">
-            <a:avLst>
-              <a:gd name="adj" fmla="val 28246"/>
-            </a:avLst>
-          </a:prstGeom>
-          <a:gradFill>
-            <a:gsLst>
-              <a:gs pos="0">
-                <a:srgbClr val="00CCFF"/>
-              </a:gs>
-              <a:gs pos="100000">
-                <a:srgbClr val="00FFFF"/>
-              </a:gs>
-            </a:gsLst>
-            <a:lin ang="0" scaled="0"/>
-          </a:gradFill>
-          <a:ln w="9525" cap="flat" cmpd="sng">
-            <a:solidFill>
-              <a:schemeClr val="dk2"/>
-            </a:solidFill>
-            <a:prstDash val="solid"/>
-            <a:round/>
-            <a:headEnd type="none" w="sm" len="sm"/>
-            <a:tailEnd type="none" w="sm" len="sm"/>
-          </a:ln>
-        </p:spPr>
-        <p:txBody>
-          <a:bodyPr spcFirstLastPara="1" wrap="square" lIns="91425" tIns="91425" rIns="91425" bIns="91425" anchor="ctr" anchorCtr="0">
-            <a:noAutofit/>
-          </a:bodyPr>
-          <a:lstStyle/>
-          <a:p>
-            <a:pPr marL="0" lvl="0" indent="0" algn="l" rtl="0">
-              <a:spcBef>
-                <a:spcPts val="0"/>
-              </a:spcBef>
-              <a:spcAft>
-                <a:spcPts val="0"/>
-              </a:spcAft>
-              <a:buNone/>
-            </a:pPr>
-            <a:endParaRPr/>
-          </a:p>
-        </p:txBody>
-      </p:sp>
-      <p:sp>
-        <p:nvSpPr>
-          <p:cNvPr id="740" name="Google Shape;13176;p201">
-            <a:extLst>
-              <a:ext uri="{FF2B5EF4-FFF2-40B4-BE49-F238E27FC236}">
-                <a16:creationId xmlns:a16="http://schemas.microsoft.com/office/drawing/2014/main" id="{6FBD8A9A-5C23-4CB0-841A-EBE06A0684C9}"/>
-              </a:ext>
-            </a:extLst>
-          </p:cNvPr>
-          <p:cNvSpPr/>
-          <p:nvPr/>
-        </p:nvSpPr>
-        <p:spPr>
-          <a:xfrm>
-            <a:off x="5182075" y="2320235"/>
-            <a:ext cx="198000" cy="220200"/>
-          </a:xfrm>
-          <a:prstGeom prst="cube">
-            <a:avLst>
-              <a:gd name="adj" fmla="val 28246"/>
-            </a:avLst>
-          </a:prstGeom>
-          <a:gradFill>
-            <a:gsLst>
-              <a:gs pos="0">
-                <a:srgbClr val="00CCFF"/>
-              </a:gs>
-              <a:gs pos="100000">
-                <a:srgbClr val="00FFFF"/>
-              </a:gs>
-            </a:gsLst>
-            <a:lin ang="0" scaled="0"/>
-          </a:gradFill>
-          <a:ln w="9525" cap="flat" cmpd="sng">
-            <a:solidFill>
-              <a:schemeClr val="dk2"/>
-            </a:solidFill>
-            <a:prstDash val="solid"/>
-            <a:round/>
-            <a:headEnd type="none" w="sm" len="sm"/>
-            <a:tailEnd type="none" w="sm" len="sm"/>
-          </a:ln>
-        </p:spPr>
-        <p:txBody>
-          <a:bodyPr spcFirstLastPara="1" wrap="square" lIns="91425" tIns="91425" rIns="91425" bIns="91425" anchor="ctr" anchorCtr="0">
-            <a:noAutofit/>
-          </a:bodyPr>
-          <a:lstStyle/>
-          <a:p>
-            <a:pPr marL="0" lvl="0" indent="0" algn="l" rtl="0">
-              <a:spcBef>
-                <a:spcPts val="0"/>
-              </a:spcBef>
-              <a:spcAft>
-                <a:spcPts val="0"/>
-              </a:spcAft>
-              <a:buNone/>
-            </a:pPr>
-            <a:endParaRPr/>
-          </a:p>
-        </p:txBody>
-      </p:sp>
-      <p:sp>
-        <p:nvSpPr>
-          <p:cNvPr id="741" name="Google Shape;13176;p201">
-            <a:extLst>
-              <a:ext uri="{FF2B5EF4-FFF2-40B4-BE49-F238E27FC236}">
-                <a16:creationId xmlns:a16="http://schemas.microsoft.com/office/drawing/2014/main" id="{979BFA26-92DC-41DA-ACE8-A6466BE81680}"/>
-              </a:ext>
-            </a:extLst>
-          </p:cNvPr>
-          <p:cNvSpPr/>
-          <p:nvPr/>
-        </p:nvSpPr>
-        <p:spPr>
-          <a:xfrm>
-            <a:off x="5296335" y="2044389"/>
-            <a:ext cx="198000" cy="220200"/>
-          </a:xfrm>
-          <a:prstGeom prst="cube">
-            <a:avLst>
-              <a:gd name="adj" fmla="val 28246"/>
-            </a:avLst>
-          </a:prstGeom>
-          <a:gradFill>
-            <a:gsLst>
-              <a:gs pos="0">
-                <a:srgbClr val="00CCFF"/>
-              </a:gs>
-              <a:gs pos="100000">
-                <a:srgbClr val="00FFFF"/>
-              </a:gs>
-            </a:gsLst>
-            <a:lin ang="0" scaled="0"/>
-          </a:gradFill>
-          <a:ln w="9525" cap="flat" cmpd="sng">
-            <a:solidFill>
-              <a:schemeClr val="dk2"/>
-            </a:solidFill>
-            <a:prstDash val="solid"/>
-            <a:round/>
-            <a:headEnd type="none" w="sm" len="sm"/>
-            <a:tailEnd type="none" w="sm" len="sm"/>
-          </a:ln>
-        </p:spPr>
-        <p:txBody>
-          <a:bodyPr spcFirstLastPara="1" wrap="square" lIns="91425" tIns="91425" rIns="91425" bIns="91425" anchor="ctr" anchorCtr="0">
-            <a:noAutofit/>
-          </a:bodyPr>
-          <a:lstStyle/>
-          <a:p>
-            <a:pPr marL="0" lvl="0" indent="0" algn="l" rtl="0">
-              <a:spcBef>
-                <a:spcPts val="0"/>
-              </a:spcBef>
-              <a:spcAft>
-                <a:spcPts val="0"/>
-              </a:spcAft>
-              <a:buNone/>
-            </a:pPr>
-            <a:endParaRPr/>
-          </a:p>
-        </p:txBody>
-      </p:sp>
-      <p:sp>
-        <p:nvSpPr>
-          <p:cNvPr id="742" name="Google Shape;13176;p201">
-            <a:extLst>
-              <a:ext uri="{FF2B5EF4-FFF2-40B4-BE49-F238E27FC236}">
-                <a16:creationId xmlns:a16="http://schemas.microsoft.com/office/drawing/2014/main" id="{118B42C1-F3B0-4F74-A9E4-855C52454180}"/>
-              </a:ext>
-            </a:extLst>
-          </p:cNvPr>
-          <p:cNvSpPr/>
-          <p:nvPr/>
-        </p:nvSpPr>
-        <p:spPr>
-          <a:xfrm>
-            <a:off x="5239205" y="2102078"/>
-            <a:ext cx="198000" cy="220200"/>
-          </a:xfrm>
-          <a:prstGeom prst="cube">
-            <a:avLst>
-              <a:gd name="adj" fmla="val 28246"/>
-            </a:avLst>
-          </a:prstGeom>
-          <a:gradFill>
-            <a:gsLst>
-              <a:gs pos="0">
-                <a:srgbClr val="00CCFF"/>
-              </a:gs>
-              <a:gs pos="100000">
-                <a:srgbClr val="00FFFF"/>
-              </a:gs>
-            </a:gsLst>
-            <a:lin ang="0" scaled="0"/>
-          </a:gradFill>
-          <a:ln w="9525" cap="flat" cmpd="sng">
-            <a:solidFill>
-              <a:schemeClr val="dk2"/>
-            </a:solidFill>
-            <a:prstDash val="solid"/>
-            <a:round/>
-            <a:headEnd type="none" w="sm" len="sm"/>
-            <a:tailEnd type="none" w="sm" len="sm"/>
-          </a:ln>
-        </p:spPr>
-        <p:txBody>
-          <a:bodyPr spcFirstLastPara="1" wrap="square" lIns="91425" tIns="91425" rIns="91425" bIns="91425" anchor="ctr" anchorCtr="0">
-            <a:noAutofit/>
-          </a:bodyPr>
-          <a:lstStyle/>
-          <a:p>
-            <a:pPr marL="0" lvl="0" indent="0" algn="l" rtl="0">
-              <a:spcBef>
-                <a:spcPts val="0"/>
-              </a:spcBef>
-              <a:spcAft>
-                <a:spcPts val="0"/>
-              </a:spcAft>
-              <a:buNone/>
-            </a:pPr>
-            <a:endParaRPr/>
-          </a:p>
-        </p:txBody>
-      </p:sp>
-      <p:sp>
-        <p:nvSpPr>
-          <p:cNvPr id="743" name="Google Shape;13176;p201">
-            <a:extLst>
-              <a:ext uri="{FF2B5EF4-FFF2-40B4-BE49-F238E27FC236}">
-                <a16:creationId xmlns:a16="http://schemas.microsoft.com/office/drawing/2014/main" id="{2BF19266-06BC-4B71-8AE2-392F382B3EF9}"/>
-              </a:ext>
-            </a:extLst>
-          </p:cNvPr>
-          <p:cNvSpPr/>
-          <p:nvPr/>
-        </p:nvSpPr>
-        <p:spPr>
-          <a:xfrm>
-            <a:off x="5182075" y="2159589"/>
-            <a:ext cx="198000" cy="220200"/>
-          </a:xfrm>
-          <a:prstGeom prst="cube">
-            <a:avLst>
-              <a:gd name="adj" fmla="val 28246"/>
-            </a:avLst>
-          </a:prstGeom>
-          <a:gradFill>
-            <a:gsLst>
-              <a:gs pos="0">
-                <a:srgbClr val="00CCFF"/>
-              </a:gs>
-              <a:gs pos="100000">
-                <a:srgbClr val="00FFFF"/>
-              </a:gs>
-            </a:gsLst>
-            <a:lin ang="0" scaled="0"/>
-          </a:gradFill>
-          <a:ln w="9525" cap="flat" cmpd="sng">
-            <a:solidFill>
-              <a:schemeClr val="dk2"/>
-            </a:solidFill>
-            <a:prstDash val="solid"/>
-            <a:round/>
-            <a:headEnd type="none" w="sm" len="sm"/>
-            <a:tailEnd type="none" w="sm" len="sm"/>
-          </a:ln>
-        </p:spPr>
-        <p:txBody>
-          <a:bodyPr spcFirstLastPara="1" wrap="square" lIns="91425" tIns="91425" rIns="91425" bIns="91425" anchor="ctr" anchorCtr="0">
-            <a:noAutofit/>
-          </a:bodyPr>
-          <a:lstStyle/>
-          <a:p>
-            <a:pPr marL="0" lvl="0" indent="0" algn="l" rtl="0">
-              <a:spcBef>
-                <a:spcPts val="0"/>
-              </a:spcBef>
-              <a:spcAft>
-                <a:spcPts val="0"/>
-              </a:spcAft>
-              <a:buNone/>
-            </a:pPr>
-            <a:endParaRPr/>
-          </a:p>
-        </p:txBody>
-      </p:sp>
-      <p:sp>
-        <p:nvSpPr>
           <p:cNvPr id="744" name="Google Shape;13176;p201">
             <a:extLst>
               <a:ext uri="{FF2B5EF4-FFF2-40B4-BE49-F238E27FC236}">
@@ -9833,7 +9342,7 @@
         </p:nvSpPr>
         <p:spPr>
           <a:xfrm>
-            <a:off x="6910224" y="4160865"/>
+            <a:off x="6905529" y="2164907"/>
             <a:ext cx="198000" cy="220200"/>
           </a:xfrm>
           <a:prstGeom prst="cube">
@@ -9881,106 +9390,6 @@
           </a:p>
         </p:txBody>
       </p:sp>
-      <p:sp>
-        <p:nvSpPr>
-          <p:cNvPr id="745" name="Google Shape;13176;p201">
-            <a:extLst>
-              <a:ext uri="{FF2B5EF4-FFF2-40B4-BE49-F238E27FC236}">
-                <a16:creationId xmlns:a16="http://schemas.microsoft.com/office/drawing/2014/main" id="{3224F6AE-4797-4725-AEFC-6B64B29CA239}"/>
-              </a:ext>
-            </a:extLst>
-          </p:cNvPr>
-          <p:cNvSpPr/>
-          <p:nvPr/>
-        </p:nvSpPr>
-        <p:spPr>
-          <a:xfrm>
-            <a:off x="6210442" y="2155675"/>
-            <a:ext cx="198000" cy="220200"/>
-          </a:xfrm>
-          <a:prstGeom prst="cube">
-            <a:avLst>
-              <a:gd name="adj" fmla="val 28246"/>
-            </a:avLst>
-          </a:prstGeom>
-          <a:gradFill>
-            <a:gsLst>
-              <a:gs pos="0">
-                <a:srgbClr val="FF6699"/>
-              </a:gs>
-              <a:gs pos="100000">
-                <a:srgbClr val="FEA4D7"/>
-              </a:gs>
-            </a:gsLst>
-            <a:lin ang="0" scaled="0"/>
-          </a:gradFill>
-          <a:ln w="9525" cap="flat" cmpd="sng">
-            <a:solidFill>
-              <a:schemeClr val="dk2"/>
-            </a:solidFill>
-            <a:prstDash val="solid"/>
-            <a:round/>
-            <a:headEnd type="none" w="sm" len="sm"/>
-            <a:tailEnd type="none" w="sm" len="sm"/>
-          </a:ln>
-        </p:spPr>
-        <p:txBody>
-          <a:bodyPr spcFirstLastPara="1" wrap="square" lIns="91425" tIns="91425" rIns="91425" bIns="91425" anchor="ctr" anchorCtr="0">
-            <a:noAutofit/>
-          </a:bodyPr>
-          <a:lstStyle/>
-          <a:p>
-            <a:pPr marL="0" lvl="0" indent="0" algn="l" rtl="0">
-              <a:spcBef>
-                <a:spcPts val="0"/>
-              </a:spcBef>
-              <a:spcAft>
-                <a:spcPts val="0"/>
-              </a:spcAft>
-              <a:buNone/>
-            </a:pPr>
-            <a:endParaRPr/>
-          </a:p>
-        </p:txBody>
-      </p:sp>
-      <p:cxnSp>
-        <p:nvCxnSpPr>
-          <p:cNvPr id="746" name="Google Shape;13297;p201">
-            <a:extLst>
-              <a:ext uri="{FF2B5EF4-FFF2-40B4-BE49-F238E27FC236}">
-                <a16:creationId xmlns:a16="http://schemas.microsoft.com/office/drawing/2014/main" id="{FAC89E67-33C5-44FB-A541-A7C0B79FBED5}"/>
-              </a:ext>
-            </a:extLst>
-          </p:cNvPr>
-          <p:cNvCxnSpPr>
-            <a:cxnSpLocks/>
-            <a:stCxn id="739" idx="4"/>
-            <a:endCxn id="745" idx="2"/>
-          </p:cNvCxnSpPr>
-          <p:nvPr/>
-        </p:nvCxnSpPr>
-        <p:spPr>
-          <a:xfrm flipV="1">
-            <a:off x="5381278" y="2293739"/>
-            <a:ext cx="829164" cy="107049"/>
-          </a:xfrm>
-          <a:prstGeom prst="curvedConnector3">
-            <a:avLst>
-              <a:gd name="adj1" fmla="val 50000"/>
-            </a:avLst>
-          </a:prstGeom>
-          <a:noFill/>
-          <a:ln w="19050" cap="flat" cmpd="sng">
-            <a:solidFill>
-              <a:srgbClr val="F4CCCC"/>
-            </a:solidFill>
-            <a:prstDash val="solid"/>
-            <a:round/>
-            <a:headEnd type="none" w="med" len="med"/>
-            <a:tailEnd type="triangle" w="med" len="med"/>
-          </a:ln>
-        </p:spPr>
-      </p:cxnSp>
       <p:sp>
         <p:nvSpPr>
           <p:cNvPr id="749" name="Google Shape;13176;p201">
@@ -10239,6 +9648,44 @@
           </a:p>
         </p:txBody>
       </p:sp>
+      <p:cxnSp>
+        <p:nvCxnSpPr>
+          <p:cNvPr id="144" name="Google Shape;13297;p201">
+            <a:extLst>
+              <a:ext uri="{FF2B5EF4-FFF2-40B4-BE49-F238E27FC236}">
+                <a16:creationId xmlns:a16="http://schemas.microsoft.com/office/drawing/2014/main" id="{5417EE40-6E91-4074-89B6-A4F5483CC9EC}"/>
+              </a:ext>
+            </a:extLst>
+          </p:cNvPr>
+          <p:cNvCxnSpPr>
+            <a:cxnSpLocks/>
+            <a:stCxn id="743" idx="4"/>
+            <a:endCxn id="327" idx="2"/>
+          </p:cNvCxnSpPr>
+          <p:nvPr/>
+        </p:nvCxnSpPr>
+        <p:spPr>
+          <a:xfrm flipV="1">
+            <a:off x="5318170" y="2302971"/>
+            <a:ext cx="881748" cy="1513"/>
+          </a:xfrm>
+          <a:prstGeom prst="curvedConnector3">
+            <a:avLst>
+              <a:gd name="adj1" fmla="val 50000"/>
+            </a:avLst>
+          </a:prstGeom>
+          <a:noFill/>
+          <a:ln w="19050" cap="flat" cmpd="sng">
+            <a:solidFill>
+              <a:srgbClr val="F4CCCC"/>
+            </a:solidFill>
+            <a:prstDash val="solid"/>
+            <a:round/>
+            <a:headEnd type="none" w="med" len="med"/>
+            <a:tailEnd type="triangle" w="med" len="med"/>
+          </a:ln>
+        </p:spPr>
+      </p:cxnSp>
     </p:spTree>
     <p:extLst>
       <p:ext uri="{BB962C8B-B14F-4D97-AF65-F5344CB8AC3E}">
